--- a/Data Science with R.pptx
+++ b/Data Science with R.pptx
@@ -505,7 +505,7 @@
             <a:fld id="{B61BEF0D-F0BB-DE4B-95CE-6DB70DBA9567}" type="datetimeFigureOut">
               <a:rPr lang="en-US" smtClean="0"/>
               <a:pPr/>
-              <a:t>10/20/2017</a:t>
+              <a:t>10/21/2017</a:t>
             </a:fld>
             <a:endParaRPr lang="en-US" dirty="0"/>
           </a:p>
@@ -754,7 +754,7 @@
             <a:fld id="{B61BEF0D-F0BB-DE4B-95CE-6DB70DBA9567}" type="datetimeFigureOut">
               <a:rPr lang="en-US" smtClean="0"/>
               <a:pPr/>
-              <a:t>10/20/2017</a:t>
+              <a:t>10/21/2017</a:t>
             </a:fld>
             <a:endParaRPr lang="en-US" dirty="0"/>
           </a:p>
@@ -1142,7 +1142,7 @@
             <a:fld id="{B61BEF0D-F0BB-DE4B-95CE-6DB70DBA9567}" type="datetimeFigureOut">
               <a:rPr lang="en-US" smtClean="0"/>
               <a:pPr/>
-              <a:t>10/20/2017</a:t>
+              <a:t>10/21/2017</a:t>
             </a:fld>
             <a:endParaRPr lang="en-US" dirty="0"/>
           </a:p>
@@ -1370,7 +1370,7 @@
             <a:fld id="{B61BEF0D-F0BB-DE4B-95CE-6DB70DBA9567}" type="datetimeFigureOut">
               <a:rPr lang="en-US" smtClean="0"/>
               <a:pPr/>
-              <a:t>10/20/2017</a:t>
+              <a:t>10/21/2017</a:t>
             </a:fld>
             <a:endParaRPr lang="en-US" dirty="0"/>
           </a:p>
@@ -1843,7 +1843,7 @@
             <a:fld id="{B61BEF0D-F0BB-DE4B-95CE-6DB70DBA9567}" type="datetimeFigureOut">
               <a:rPr lang="en-US" smtClean="0"/>
               <a:pPr/>
-              <a:t>10/20/2017</a:t>
+              <a:t>10/21/2017</a:t>
             </a:fld>
             <a:endParaRPr lang="en-US" dirty="0"/>
           </a:p>
@@ -2149,7 +2149,7 @@
             <a:fld id="{B61BEF0D-F0BB-DE4B-95CE-6DB70DBA9567}" type="datetimeFigureOut">
               <a:rPr lang="en-US" smtClean="0"/>
               <a:pPr/>
-              <a:t>10/20/2017</a:t>
+              <a:t>10/21/2017</a:t>
             </a:fld>
             <a:endParaRPr lang="en-US" dirty="0"/>
           </a:p>
@@ -2542,7 +2542,7 @@
             <a:fld id="{B61BEF0D-F0BB-DE4B-95CE-6DB70DBA9567}" type="datetimeFigureOut">
               <a:rPr lang="en-US" smtClean="0"/>
               <a:pPr/>
-              <a:t>10/20/2017</a:t>
+              <a:t>10/21/2017</a:t>
             </a:fld>
             <a:endParaRPr lang="en-US" dirty="0"/>
           </a:p>
@@ -2662,7 +2662,7 @@
             <a:fld id="{B61BEF0D-F0BB-DE4B-95CE-6DB70DBA9567}" type="datetimeFigureOut">
               <a:rPr lang="en-US" smtClean="0"/>
               <a:pPr/>
-              <a:t>10/20/2017</a:t>
+              <a:t>10/21/2017</a:t>
             </a:fld>
             <a:endParaRPr lang="en-US" dirty="0"/>
           </a:p>
@@ -2759,7 +2759,7 @@
             <a:fld id="{B61BEF0D-F0BB-DE4B-95CE-6DB70DBA9567}" type="datetimeFigureOut">
               <a:rPr lang="en-US" smtClean="0"/>
               <a:pPr/>
-              <a:t>10/20/2017</a:t>
+              <a:t>10/21/2017</a:t>
             </a:fld>
             <a:endParaRPr lang="en-US" dirty="0"/>
           </a:p>
@@ -3061,7 +3061,7 @@
             <a:fld id="{B61BEF0D-F0BB-DE4B-95CE-6DB70DBA9567}" type="datetimeFigureOut">
               <a:rPr lang="en-US" smtClean="0"/>
               <a:pPr/>
-              <a:t>10/20/2017</a:t>
+              <a:t>10/21/2017</a:t>
             </a:fld>
             <a:endParaRPr lang="en-US" dirty="0"/>
           </a:p>
@@ -3327,7 +3327,7 @@
             <a:fld id="{B61BEF0D-F0BB-DE4B-95CE-6DB70DBA9567}" type="datetimeFigureOut">
               <a:rPr lang="en-US" smtClean="0"/>
               <a:pPr/>
-              <a:t>10/20/2017</a:t>
+              <a:t>10/21/2017</a:t>
             </a:fld>
             <a:endParaRPr lang="en-US" dirty="0"/>
           </a:p>
@@ -3762,7 +3762,7 @@
             <a:fld id="{B61BEF0D-F0BB-DE4B-95CE-6DB70DBA9567}" type="datetimeFigureOut">
               <a:rPr lang="en-US" smtClean="0"/>
               <a:pPr/>
-              <a:t>10/20/2017</a:t>
+              <a:t>10/21/2017</a:t>
             </a:fld>
             <a:endParaRPr lang="en-US" dirty="0"/>
           </a:p>
@@ -4284,7 +4284,7 @@
           <a:p>
             <a:r>
               <a:rPr lang="en-US" sz="4000" dirty="0"/>
-              <a:t>Predict the probability of reading positive tweets about Donald Trump, Mother Teresa, and Barack Obama</a:t>
+              <a:t>Use R to determine if a Tweet was negative, neutral, or positive. The tweets chosen were those about Donald Trump, Mother Teresa, and Barack Obama</a:t>
             </a:r>
             <a:endParaRPr lang="en-US" dirty="0"/>
           </a:p>
